--- a/Presentations/Aula06-Transporte-TCP-Controle/06-Transporte-TCP-Controle.pptx
+++ b/Presentations/Aula06-Transporte-TCP-Controle/06-Transporte-TCP-Controle.pptx
@@ -266,7 +266,7 @@
               <a:pPr>
                 <a:defRPr/>
               </a:pPr>
-              <a:t>31/08/2016</a:t>
+              <a:t>29/09/2016</a:t>
             </a:fld>
             <a:endParaRPr lang="pt-BR"/>
           </a:p>
@@ -908,7 +908,7 @@
               <a:pPr>
                 <a:defRPr/>
               </a:pPr>
-              <a:t>31/08/2016</a:t>
+              <a:t>29/09/2016</a:t>
             </a:fld>
             <a:endParaRPr lang="pt-BR"/>
           </a:p>
@@ -1007,7 +1007,7 @@
           <p:nvPr userDrawn="1"/>
         </p:nvPicPr>
         <p:blipFill>
-          <a:blip r:embed="rId2"/>
+          <a:blip r:embed="rId2" cstate="print"/>
           <a:srcRect l="52994" t="61194" r="26041" b="19403"/>
           <a:stretch>
             <a:fillRect/>
@@ -1039,7 +1039,7 @@
           <p:nvPr userDrawn="1"/>
         </p:nvPicPr>
         <p:blipFill>
-          <a:blip r:embed="rId3"/>
+          <a:blip r:embed="rId3" cstate="print"/>
           <a:srcRect/>
           <a:stretch>
             <a:fillRect/>
@@ -1278,7 +1278,7 @@
               <a:pPr>
                 <a:defRPr/>
               </a:pPr>
-              <a:t>31/08/2016</a:t>
+              <a:t>29/09/2016</a:t>
             </a:fld>
             <a:endParaRPr lang="pt-BR"/>
           </a:p>
@@ -1480,7 +1480,7 @@
               <a:pPr>
                 <a:defRPr/>
               </a:pPr>
-              <a:t>31/08/2016</a:t>
+              <a:t>29/09/2016</a:t>
             </a:fld>
             <a:endParaRPr lang="pt-BR"/>
           </a:p>
@@ -1744,7 +1744,7 @@
               <a:pPr>
                 <a:defRPr/>
               </a:pPr>
-              <a:t>31/08/2016</a:t>
+              <a:t>29/09/2016</a:t>
             </a:fld>
             <a:endParaRPr lang="pt-BR"/>
           </a:p>
@@ -1936,7 +1936,7 @@
               <a:pPr>
                 <a:defRPr/>
               </a:pPr>
-              <a:t>31/08/2016</a:t>
+              <a:t>29/09/2016</a:t>
             </a:fld>
             <a:endParaRPr lang="pt-BR"/>
           </a:p>
@@ -2204,7 +2204,7 @@
               <a:pPr>
                 <a:defRPr/>
               </a:pPr>
-              <a:t>31/08/2016</a:t>
+              <a:t>29/09/2016</a:t>
             </a:fld>
             <a:endParaRPr lang="pt-BR"/>
           </a:p>
@@ -2514,7 +2514,7 @@
               <a:pPr>
                 <a:defRPr/>
               </a:pPr>
-              <a:t>31/08/2016</a:t>
+              <a:t>29/09/2016</a:t>
             </a:fld>
             <a:endParaRPr lang="pt-BR"/>
           </a:p>
@@ -2958,7 +2958,7 @@
               <a:pPr>
                 <a:defRPr/>
               </a:pPr>
-              <a:t>31/08/2016</a:t>
+              <a:t>29/09/2016</a:t>
             </a:fld>
             <a:endParaRPr lang="pt-BR"/>
           </a:p>
@@ -3098,7 +3098,7 @@
               <a:pPr>
                 <a:defRPr/>
               </a:pPr>
-              <a:t>31/08/2016</a:t>
+              <a:t>29/09/2016</a:t>
             </a:fld>
             <a:endParaRPr lang="pt-BR"/>
           </a:p>
@@ -3215,7 +3215,7 @@
               <a:pPr>
                 <a:defRPr/>
               </a:pPr>
-              <a:t>31/08/2016</a:t>
+              <a:t>29/09/2016</a:t>
             </a:fld>
             <a:endParaRPr lang="pt-BR"/>
           </a:p>
@@ -3407,7 +3407,7 @@
               <a:pPr>
                 <a:defRPr/>
               </a:pPr>
-              <a:t>31/08/2016</a:t>
+              <a:t>29/09/2016</a:t>
             </a:fld>
             <a:endParaRPr lang="pt-BR"/>
           </a:p>
@@ -3706,7 +3706,7 @@
               <a:pPr>
                 <a:defRPr/>
               </a:pPr>
-              <a:t>31/08/2016</a:t>
+              <a:t>29/09/2016</a:t>
             </a:fld>
             <a:endParaRPr lang="pt-BR"/>
           </a:p>
@@ -3984,7 +3984,7 @@
               <a:pPr>
                 <a:defRPr/>
               </a:pPr>
-              <a:t>31/08/2016</a:t>
+              <a:t>29/09/2016</a:t>
             </a:fld>
             <a:endParaRPr lang="pt-BR"/>
           </a:p>
@@ -4176,7 +4176,7 @@
               <a:pPr>
                 <a:defRPr/>
               </a:pPr>
-              <a:t>31/08/2016</a:t>
+              <a:t>29/09/2016</a:t>
             </a:fld>
             <a:endParaRPr lang="pt-BR"/>
           </a:p>
@@ -4378,7 +4378,7 @@
               <a:pPr>
                 <a:defRPr/>
               </a:pPr>
-              <a:t>31/08/2016</a:t>
+              <a:t>29/09/2016</a:t>
             </a:fld>
             <a:endParaRPr lang="pt-BR"/>
           </a:p>
@@ -4646,7 +4646,7 @@
               <a:pPr>
                 <a:defRPr/>
               </a:pPr>
-              <a:t>31/08/2016</a:t>
+              <a:t>29/09/2016</a:t>
             </a:fld>
             <a:endParaRPr lang="pt-BR"/>
           </a:p>
@@ -4956,7 +4956,7 @@
               <a:pPr>
                 <a:defRPr/>
               </a:pPr>
-              <a:t>31/08/2016</a:t>
+              <a:t>29/09/2016</a:t>
             </a:fld>
             <a:endParaRPr lang="pt-BR"/>
           </a:p>
@@ -5400,7 +5400,7 @@
               <a:pPr>
                 <a:defRPr/>
               </a:pPr>
-              <a:t>31/08/2016</a:t>
+              <a:t>29/09/2016</a:t>
             </a:fld>
             <a:endParaRPr lang="pt-BR"/>
           </a:p>
@@ -5540,7 +5540,7 @@
               <a:pPr>
                 <a:defRPr/>
               </a:pPr>
-              <a:t>31/08/2016</a:t>
+              <a:t>29/09/2016</a:t>
             </a:fld>
             <a:endParaRPr lang="pt-BR"/>
           </a:p>
@@ -5657,7 +5657,7 @@
               <a:pPr>
                 <a:defRPr/>
               </a:pPr>
-              <a:t>31/08/2016</a:t>
+              <a:t>29/09/2016</a:t>
             </a:fld>
             <a:endParaRPr lang="pt-BR"/>
           </a:p>
@@ -5956,7 +5956,7 @@
               <a:pPr>
                 <a:defRPr/>
               </a:pPr>
-              <a:t>31/08/2016</a:t>
+              <a:t>29/09/2016</a:t>
             </a:fld>
             <a:endParaRPr lang="pt-BR"/>
           </a:p>
@@ -6055,7 +6055,7 @@
           <p:nvPr userDrawn="1"/>
         </p:nvPicPr>
         <p:blipFill>
-          <a:blip r:embed="rId2"/>
+          <a:blip r:embed="rId2" cstate="print"/>
           <a:srcRect l="52994" t="61194" r="26041" b="19403"/>
           <a:stretch>
             <a:fillRect/>
@@ -6087,7 +6087,7 @@
           <p:nvPr userDrawn="1"/>
         </p:nvPicPr>
         <p:blipFill>
-          <a:blip r:embed="rId3"/>
+          <a:blip r:embed="rId3" cstate="print"/>
           <a:srcRect/>
           <a:stretch>
             <a:fillRect/>
@@ -6263,7 +6263,7 @@
               <a:pPr>
                 <a:defRPr/>
               </a:pPr>
-              <a:t>31/08/2016</a:t>
+              <a:t>29/09/2016</a:t>
             </a:fld>
             <a:endParaRPr lang="pt-BR"/>
           </a:p>
@@ -6519,7 +6519,7 @@
               <a:pPr>
                 <a:defRPr/>
               </a:pPr>
-              <a:t>31/08/2016</a:t>
+              <a:t>29/09/2016</a:t>
             </a:fld>
             <a:endParaRPr lang="pt-BR"/>
           </a:p>
@@ -7058,7 +7058,7 @@
           <p:nvPr userDrawn="1"/>
         </p:nvPicPr>
         <p:blipFill>
-          <a:blip r:embed="rId13"/>
+          <a:blip r:embed="rId13" cstate="print"/>
           <a:srcRect l="52994" t="61194" r="26041" b="19403"/>
           <a:stretch>
             <a:fillRect/>
@@ -7090,7 +7090,7 @@
           <p:nvPr userDrawn="1"/>
         </p:nvPicPr>
         <p:blipFill>
-          <a:blip r:embed="rId14"/>
+          <a:blip r:embed="rId14" cstate="print"/>
           <a:srcRect/>
           <a:stretch>
             <a:fillRect/>
@@ -7268,7 +7268,7 @@
               <a:pPr>
                 <a:defRPr/>
               </a:pPr>
-              <a:t>31/08/2016</a:t>
+              <a:t>29/09/2016</a:t>
             </a:fld>
             <a:endParaRPr lang="pt-BR"/>
           </a:p>
@@ -7994,7 +7994,7 @@
           <p:nvPr/>
         </p:nvPicPr>
         <p:blipFill>
-          <a:blip r:embed="rId3"/>
+          <a:blip r:embed="rId3" cstate="print"/>
           <a:srcRect l="52994" t="61194" r="26041" b="19403"/>
           <a:stretch>
             <a:fillRect/>
@@ -8214,7 +8214,7 @@
           <p:nvPr/>
         </p:nvPicPr>
         <p:blipFill>
-          <a:blip r:embed="rId4"/>
+          <a:blip r:embed="rId4" cstate="print"/>
           <a:srcRect/>
           <a:stretch>
             <a:fillRect/>
@@ -8798,8 +8798,9 @@
             <a:pPr lvl="2"/>
             <a:r>
               <a:rPr lang="pt-BR" dirty="0" smtClean="0"/>
-              <a:t>Congwin++</a:t>
-            </a:r>
+              <a:t>Congwin dobra</a:t>
+            </a:r>
+            <a:endParaRPr lang="pt-BR" dirty="0" smtClean="0"/>
           </a:p>
           <a:p>
             <a:pPr lvl="1"/>
@@ -8828,7 +8829,7 @@
           <p:nvPr/>
         </p:nvPicPr>
         <p:blipFill>
-          <a:blip r:embed="rId2"/>
+          <a:blip r:embed="rId2" cstate="print"/>
           <a:srcRect/>
           <a:stretch>
             <a:fillRect/>
@@ -8972,7 +8973,7 @@
           <p:nvPr/>
         </p:nvPicPr>
         <p:blipFill>
-          <a:blip r:embed="rId2"/>
+          <a:blip r:embed="rId2" cstate="print"/>
           <a:srcRect/>
           <a:stretch>
             <a:fillRect/>
@@ -9086,7 +9087,7 @@
           <p:nvPr/>
         </p:nvPicPr>
         <p:blipFill>
-          <a:blip r:embed="rId2"/>
+          <a:blip r:embed="rId2" cstate="print"/>
           <a:srcRect/>
           <a:stretch>
             <a:fillRect/>
@@ -9119,7 +9120,7 @@
           <p:nvPr/>
         </p:nvPicPr>
         <p:blipFill>
-          <a:blip r:embed="rId3"/>
+          <a:blip r:embed="rId3" cstate="print"/>
           <a:srcRect/>
           <a:stretch>
             <a:fillRect/>
@@ -9329,7 +9330,7 @@
           <p:nvPr/>
         </p:nvPicPr>
         <p:blipFill>
-          <a:blip r:embed="rId3"/>
+          <a:blip r:embed="rId3" cstate="print"/>
           <a:srcRect/>
           <a:stretch>
             <a:fillRect/>
@@ -9661,7 +9662,7 @@
           <p:nvPr/>
         </p:nvPicPr>
         <p:blipFill>
-          <a:blip r:embed="rId2"/>
+          <a:blip r:embed="rId2" cstate="print"/>
           <a:srcRect/>
           <a:stretch>
             <a:fillRect/>
@@ -9782,7 +9783,7 @@
           <p:nvPr/>
         </p:nvPicPr>
         <p:blipFill>
-          <a:blip r:embed="rId2"/>
+          <a:blip r:embed="rId2" cstate="print"/>
           <a:srcRect/>
           <a:stretch>
             <a:fillRect/>

--- a/Presentations/Aula06-Transporte-TCP-Controle/06-Transporte-TCP-Controle.pptx
+++ b/Presentations/Aula06-Transporte-TCP-Controle/06-Transporte-TCP-Controle.pptx
@@ -266,7 +266,7 @@
               <a:pPr>
                 <a:defRPr/>
               </a:pPr>
-              <a:t>29/09/2016</a:t>
+              <a:t>02/09/2017</a:t>
             </a:fld>
             <a:endParaRPr lang="pt-BR"/>
           </a:p>
@@ -908,7 +908,7 @@
               <a:pPr>
                 <a:defRPr/>
               </a:pPr>
-              <a:t>29/09/2016</a:t>
+              <a:t>02/09/2017</a:t>
             </a:fld>
             <a:endParaRPr lang="pt-BR"/>
           </a:p>
@@ -1278,7 +1278,7 @@
               <a:pPr>
                 <a:defRPr/>
               </a:pPr>
-              <a:t>29/09/2016</a:t>
+              <a:t>02/09/2017</a:t>
             </a:fld>
             <a:endParaRPr lang="pt-BR"/>
           </a:p>
@@ -1480,7 +1480,7 @@
               <a:pPr>
                 <a:defRPr/>
               </a:pPr>
-              <a:t>29/09/2016</a:t>
+              <a:t>02/09/2017</a:t>
             </a:fld>
             <a:endParaRPr lang="pt-BR"/>
           </a:p>
@@ -1744,7 +1744,7 @@
               <a:pPr>
                 <a:defRPr/>
               </a:pPr>
-              <a:t>29/09/2016</a:t>
+              <a:t>02/09/2017</a:t>
             </a:fld>
             <a:endParaRPr lang="pt-BR"/>
           </a:p>
@@ -1936,7 +1936,7 @@
               <a:pPr>
                 <a:defRPr/>
               </a:pPr>
-              <a:t>29/09/2016</a:t>
+              <a:t>02/09/2017</a:t>
             </a:fld>
             <a:endParaRPr lang="pt-BR"/>
           </a:p>
@@ -2204,7 +2204,7 @@
               <a:pPr>
                 <a:defRPr/>
               </a:pPr>
-              <a:t>29/09/2016</a:t>
+              <a:t>02/09/2017</a:t>
             </a:fld>
             <a:endParaRPr lang="pt-BR"/>
           </a:p>
@@ -2514,7 +2514,7 @@
               <a:pPr>
                 <a:defRPr/>
               </a:pPr>
-              <a:t>29/09/2016</a:t>
+              <a:t>02/09/2017</a:t>
             </a:fld>
             <a:endParaRPr lang="pt-BR"/>
           </a:p>
@@ -2958,7 +2958,7 @@
               <a:pPr>
                 <a:defRPr/>
               </a:pPr>
-              <a:t>29/09/2016</a:t>
+              <a:t>02/09/2017</a:t>
             </a:fld>
             <a:endParaRPr lang="pt-BR"/>
           </a:p>
@@ -3098,7 +3098,7 @@
               <a:pPr>
                 <a:defRPr/>
               </a:pPr>
-              <a:t>29/09/2016</a:t>
+              <a:t>02/09/2017</a:t>
             </a:fld>
             <a:endParaRPr lang="pt-BR"/>
           </a:p>
@@ -3215,7 +3215,7 @@
               <a:pPr>
                 <a:defRPr/>
               </a:pPr>
-              <a:t>29/09/2016</a:t>
+              <a:t>02/09/2017</a:t>
             </a:fld>
             <a:endParaRPr lang="pt-BR"/>
           </a:p>
@@ -3407,7 +3407,7 @@
               <a:pPr>
                 <a:defRPr/>
               </a:pPr>
-              <a:t>29/09/2016</a:t>
+              <a:t>02/09/2017</a:t>
             </a:fld>
             <a:endParaRPr lang="pt-BR"/>
           </a:p>
@@ -3706,7 +3706,7 @@
               <a:pPr>
                 <a:defRPr/>
               </a:pPr>
-              <a:t>29/09/2016</a:t>
+              <a:t>02/09/2017</a:t>
             </a:fld>
             <a:endParaRPr lang="pt-BR"/>
           </a:p>
@@ -3984,7 +3984,7 @@
               <a:pPr>
                 <a:defRPr/>
               </a:pPr>
-              <a:t>29/09/2016</a:t>
+              <a:t>02/09/2017</a:t>
             </a:fld>
             <a:endParaRPr lang="pt-BR"/>
           </a:p>
@@ -4176,7 +4176,7 @@
               <a:pPr>
                 <a:defRPr/>
               </a:pPr>
-              <a:t>29/09/2016</a:t>
+              <a:t>02/09/2017</a:t>
             </a:fld>
             <a:endParaRPr lang="pt-BR"/>
           </a:p>
@@ -4378,7 +4378,7 @@
               <a:pPr>
                 <a:defRPr/>
               </a:pPr>
-              <a:t>29/09/2016</a:t>
+              <a:t>02/09/2017</a:t>
             </a:fld>
             <a:endParaRPr lang="pt-BR"/>
           </a:p>
@@ -4646,7 +4646,7 @@
               <a:pPr>
                 <a:defRPr/>
               </a:pPr>
-              <a:t>29/09/2016</a:t>
+              <a:t>02/09/2017</a:t>
             </a:fld>
             <a:endParaRPr lang="pt-BR"/>
           </a:p>
@@ -4956,7 +4956,7 @@
               <a:pPr>
                 <a:defRPr/>
               </a:pPr>
-              <a:t>29/09/2016</a:t>
+              <a:t>02/09/2017</a:t>
             </a:fld>
             <a:endParaRPr lang="pt-BR"/>
           </a:p>
@@ -5400,7 +5400,7 @@
               <a:pPr>
                 <a:defRPr/>
               </a:pPr>
-              <a:t>29/09/2016</a:t>
+              <a:t>02/09/2017</a:t>
             </a:fld>
             <a:endParaRPr lang="pt-BR"/>
           </a:p>
@@ -5540,7 +5540,7 @@
               <a:pPr>
                 <a:defRPr/>
               </a:pPr>
-              <a:t>29/09/2016</a:t>
+              <a:t>02/09/2017</a:t>
             </a:fld>
             <a:endParaRPr lang="pt-BR"/>
           </a:p>
@@ -5657,7 +5657,7 @@
               <a:pPr>
                 <a:defRPr/>
               </a:pPr>
-              <a:t>29/09/2016</a:t>
+              <a:t>02/09/2017</a:t>
             </a:fld>
             <a:endParaRPr lang="pt-BR"/>
           </a:p>
@@ -5956,7 +5956,7 @@
               <a:pPr>
                 <a:defRPr/>
               </a:pPr>
-              <a:t>29/09/2016</a:t>
+              <a:t>02/09/2017</a:t>
             </a:fld>
             <a:endParaRPr lang="pt-BR"/>
           </a:p>
@@ -6263,7 +6263,7 @@
               <a:pPr>
                 <a:defRPr/>
               </a:pPr>
-              <a:t>29/09/2016</a:t>
+              <a:t>02/09/2017</a:t>
             </a:fld>
             <a:endParaRPr lang="pt-BR"/>
           </a:p>
@@ -6519,7 +6519,7 @@
               <a:pPr>
                 <a:defRPr/>
               </a:pPr>
-              <a:t>29/09/2016</a:t>
+              <a:t>02/09/2017</a:t>
             </a:fld>
             <a:endParaRPr lang="pt-BR"/>
           </a:p>
@@ -7268,7 +7268,7 @@
               <a:pPr>
                 <a:defRPr/>
               </a:pPr>
-              <a:t>29/09/2016</a:t>
+              <a:t>02/09/2017</a:t>
             </a:fld>
             <a:endParaRPr lang="pt-BR"/>
           </a:p>
@@ -7832,7 +7832,7 @@
                 <a:latin typeface="+mn-lt"/>
                 <a:cs typeface="Arial" pitchFamily="34" charset="0"/>
               </a:rPr>
-              <a:t>01 </a:t>
+              <a:t>04 </a:t>
             </a:r>
             <a:r>
               <a:rPr lang="pt-BR" sz="2200" b="1" dirty="0" smtClean="0">
@@ -7852,8 +7852,25 @@
                 <a:latin typeface="+mn-lt"/>
                 <a:cs typeface="Arial" pitchFamily="34" charset="0"/>
               </a:rPr>
-              <a:t>de 2016</a:t>
-            </a:r>
+              <a:t>de </a:t>
+            </a:r>
+            <a:r>
+              <a:rPr lang="pt-BR" sz="2200" b="1" dirty="0" smtClean="0">
+                <a:solidFill>
+                  <a:schemeClr val="accent1"/>
+                </a:solidFill>
+                <a:latin typeface="+mn-lt"/>
+                <a:cs typeface="Arial" pitchFamily="34" charset="0"/>
+              </a:rPr>
+              <a:t>2017</a:t>
+            </a:r>
+            <a:endParaRPr lang="pt-BR" sz="2200" b="1" dirty="0">
+              <a:solidFill>
+                <a:schemeClr val="accent1"/>
+              </a:solidFill>
+              <a:latin typeface="+mn-lt"/>
+              <a:cs typeface="Arial" pitchFamily="34" charset="0"/>
+            </a:endParaRPr>
           </a:p>
         </p:txBody>
       </p:sp>
@@ -8633,7 +8650,15 @@
             <a:pPr lvl="1"/>
             <a:r>
               <a:rPr lang="pt-BR" sz="2400" dirty="0" smtClean="0"/>
-              <a:t>Nesse caso w é reduzido a um nóvel seguro</a:t>
+              <a:t>Nesse caso w é reduzido a um </a:t>
+            </a:r>
+            <a:r>
+              <a:rPr lang="pt-BR" sz="2400" dirty="0" smtClean="0"/>
+              <a:t>nível </a:t>
+            </a:r>
+            <a:r>
+              <a:rPr lang="pt-BR" sz="2400" dirty="0" smtClean="0"/>
+              <a:t>seguro</a:t>
             </a:r>
           </a:p>
           <a:p>
@@ -8800,7 +8825,6 @@
               <a:rPr lang="pt-BR" dirty="0" smtClean="0"/>
               <a:t>Congwin dobra</a:t>
             </a:r>
-            <a:endParaRPr lang="pt-BR" dirty="0" smtClean="0"/>
           </a:p>
           <a:p>
             <a:pPr lvl="1"/>
@@ -8937,30 +8961,13 @@
             <a:pPr lvl="1"/>
             <a:r>
               <a:rPr lang="pt-BR" dirty="0" smtClean="0"/>
-              <a:t>(não muito lenta!)</a:t>
-            </a:r>
-          </a:p>
-          <a:p>
-            <a:pPr lvl="1"/>
+              <a:t>(não muito lenta</a:t>
+            </a:r>
             <a:r>
               <a:rPr lang="pt-BR" dirty="0" smtClean="0"/>
-              <a:t> evento de perda:</a:t>
-            </a:r>
-          </a:p>
-          <a:p>
-            <a:pPr lvl="2"/>
-            <a:r>
-              <a:rPr lang="pt-BR" dirty="0" smtClean="0"/>
-              <a:t>temporizador (Tahoe TCP)</a:t>
-            </a:r>
-          </a:p>
-          <a:p>
-            <a:pPr lvl="2"/>
-            <a:r>
-              <a:rPr lang="pt-BR" dirty="0" smtClean="0"/>
-              <a:t>e/ou três ACKs duplicados (Reno TCP)</a:t>
-            </a:r>
-            <a:endParaRPr lang="pt-BR" dirty="0"/>
+              <a:t>!)</a:t>
+            </a:r>
+            <a:endParaRPr lang="pt-BR" dirty="0" smtClean="0"/>
           </a:p>
         </p:txBody>
       </p:sp>
@@ -9055,26 +9062,64 @@
             <p:ph idx="1"/>
           </p:nvPr>
         </p:nvSpPr>
-        <p:spPr/>
+        <p:spPr>
+          <a:xfrm>
+            <a:off x="457200" y="1412776"/>
+            <a:ext cx="8229600" cy="4525963"/>
+          </a:xfrm>
+        </p:spPr>
         <p:txBody>
           <a:bodyPr/>
           <a:lstStyle/>
           <a:p>
             <a:r>
-              <a:rPr lang="pt-BR" dirty="0" smtClean="0"/>
+              <a:rPr lang="pt-BR" sz="2400" dirty="0" smtClean="0"/>
               <a:t>2ª. Fase: prevenção do congestionamento</a:t>
             </a:r>
           </a:p>
           <a:p>
             <a:pPr lvl="1"/>
             <a:r>
-              <a:rPr lang="pt-BR" dirty="0" smtClean="0"/>
-              <a:t>Quando CongWin passa do threshold</a:t>
+              <a:rPr lang="pt-BR" sz="2000" dirty="0" smtClean="0"/>
+              <a:t>Quando CongWin passa do </a:t>
+            </a:r>
+            <a:r>
+              <a:rPr lang="pt-BR" sz="2000" dirty="0" smtClean="0"/>
+              <a:t>threshold</a:t>
             </a:r>
           </a:p>
           <a:p>
             <a:pPr lvl="1"/>
-            <a:endParaRPr lang="pt-BR" dirty="0"/>
+            <a:r>
+              <a:rPr lang="pt-BR" sz="2000" dirty="0" smtClean="0"/>
+              <a:t>Evento </a:t>
+            </a:r>
+            <a:r>
+              <a:rPr lang="pt-BR" sz="2000" dirty="0" smtClean="0"/>
+              <a:t>de perda:</a:t>
+            </a:r>
+          </a:p>
+          <a:p>
+            <a:pPr lvl="2"/>
+            <a:r>
+              <a:rPr lang="pt-BR" sz="1800" dirty="0" smtClean="0"/>
+              <a:t>temporizador (Tahoe TCP)</a:t>
+            </a:r>
+          </a:p>
+          <a:p>
+            <a:pPr lvl="2"/>
+            <a:r>
+              <a:rPr lang="pt-BR" sz="1800" dirty="0" smtClean="0"/>
+              <a:t>e/ou três ACKs duplicados (Reno TCP)</a:t>
+            </a:r>
+          </a:p>
+          <a:p>
+            <a:pPr lvl="1"/>
+            <a:endParaRPr lang="pt-BR" sz="2000" dirty="0" smtClean="0"/>
+          </a:p>
+          <a:p>
+            <a:pPr lvl="1"/>
+            <a:endParaRPr lang="pt-BR" sz="2000" dirty="0"/>
           </a:p>
         </p:txBody>
       </p:sp>
@@ -9095,7 +9140,7 @@
         </p:blipFill>
         <p:spPr bwMode="auto">
           <a:xfrm>
-            <a:off x="285720" y="2886096"/>
+            <a:off x="0" y="3314700"/>
             <a:ext cx="3200400" cy="3543300"/>
           </a:xfrm>
           <a:prstGeom prst="rect">
@@ -9128,8 +9173,8 @@
         </p:blipFill>
         <p:spPr bwMode="auto">
           <a:xfrm>
-            <a:off x="3428993" y="2630480"/>
-            <a:ext cx="5367332" cy="4227519"/>
+            <a:off x="3995936" y="3212977"/>
+            <a:ext cx="4627785" cy="3645023"/>
           </a:xfrm>
           <a:prstGeom prst="rect">
             <a:avLst/>
@@ -9304,18 +9349,12 @@
           <a:p>
             <a:pPr lvl="1"/>
             <a:r>
-              <a:rPr lang="pt-BR" dirty="0" smtClean="0">
-                <a:hlinkClick r:id="rId2"/>
-              </a:rPr>
-              <a:t>https://www.youtube.com/watch?v=ObOVClMZX</a:t>
-            </a:r>
-            <a:endParaRPr lang="pt-BR" dirty="0" smtClean="0"/>
-          </a:p>
-          <a:p>
-            <a:pPr lvl="1"/>
-            <a:r>
               <a:rPr lang="pt-BR" dirty="0" smtClean="0"/>
-              <a:t>https://youtu.be/6PDpahVQmH0GM</a:t>
+              <a:t>https</a:t>
+            </a:r>
+            <a:r>
+              <a:rPr lang="pt-BR" dirty="0" smtClean="0"/>
+              <a:t>://youtu.be/6PDpahVQmH0GM</a:t>
             </a:r>
             <a:endParaRPr lang="pt-BR" dirty="0"/>
           </a:p>
@@ -9330,7 +9369,7 @@
           <p:nvPr/>
         </p:nvPicPr>
         <p:blipFill>
-          <a:blip r:embed="rId3" cstate="print"/>
+          <a:blip r:embed="rId2" cstate="print"/>
           <a:srcRect/>
           <a:stretch>
             <a:fillRect/>
